--- a/programmingWindows_5.pptx
+++ b/programmingWindows_5.pptx
@@ -3536,7 +3536,7 @@
           <a:p>
             <a:fld id="{62B690D2-9F6C-4A40-B045-5871089CDE7B}" type="datetimeFigureOut">
               <a:rPr lang="zh-CN" altLang="en-US" smtClean="0"/>
-              <a:t>2018/11/8</a:t>
+              <a:t>2018/11/9</a:t>
             </a:fld>
             <a:endParaRPr lang="zh-CN" altLang="en-US"/>
           </a:p>
@@ -3994,7 +3994,7 @@
           <a:p>
             <a:fld id="{F0A08C6D-CA89-457F-88D7-56281A3E4E44}" type="datetimeFigureOut">
               <a:rPr lang="zh-CN" altLang="en-US" smtClean="0"/>
-              <a:t>2018/11/8</a:t>
+              <a:t>2018/11/9</a:t>
             </a:fld>
             <a:endParaRPr lang="zh-CN" altLang="en-US"/>
           </a:p>
@@ -25367,21 +25367,7 @@
                 <a:latin typeface="微软雅黑" panose="020B0503020204020204" pitchFamily="34" charset="-122"/>
                 <a:ea typeface="微软雅黑" panose="020B0503020204020204" pitchFamily="34" charset="-122"/>
               </a:rPr>
-              <a:t>一个主线程，也叫界面线程</a:t>
-            </a:r>
-            <a:r>
-              <a:rPr lang="zh-CN" altLang="en-US" sz="3200" dirty="0" smtClean="0">
-                <a:latin typeface="微软雅黑" panose="020B0503020204020204" pitchFamily="34" charset="-122"/>
-                <a:ea typeface="微软雅黑" panose="020B0503020204020204" pitchFamily="34" charset="-122"/>
-              </a:rPr>
-              <a:t>，界面控件</a:t>
-            </a:r>
-            <a:r>
-              <a:rPr lang="zh-CN" altLang="en-US" sz="3200" dirty="0" smtClean="0">
-                <a:latin typeface="微软雅黑" panose="020B0503020204020204" pitchFamily="34" charset="-122"/>
-                <a:ea typeface="微软雅黑" panose="020B0503020204020204" pitchFamily="34" charset="-122"/>
-              </a:rPr>
-              <a:t>属于这个线程</a:t>
+              <a:t>一个主线程，也叫界面线程，界面控件属于这个线程</a:t>
             </a:r>
           </a:p>
           <a:p>
